--- a/Illusive Fitness.pptx
+++ b/Illusive Fitness.pptx
@@ -7,6 +7,7 @@
   <p:sldIdLst>
     <p:sldId id="256" r:id="rId2"/>
     <p:sldId id="257" r:id="rId3"/>
+    <p:sldId id="258" r:id="rId4"/>
   </p:sldIdLst>
   <p:sldSz cx="12192000" cy="6858000"/>
   <p:notesSz cx="6858000" cy="9144000"/>
@@ -105,7 +106,64 @@
       </a:defRPr>
     </a:lvl9pPr>
   </p:defaultTextStyle>
+  <p:extLst>
+    <p:ext uri="{EFAFB233-063F-42B5-8137-9DF3F51BA10A}">
+      <p15:sldGuideLst xmlns:p15="http://schemas.microsoft.com/office/powerpoint/2012/main"/>
+    </p:ext>
+  </p:extLst>
 </p:presentation>
+</file>
+
+<file path=ppt/revisionInfo.xml><?xml version="1.0" encoding="utf-8"?>
+<p1510:revInfo xmlns:a="http://schemas.openxmlformats.org/drawingml/2006/main" xmlns:r="http://schemas.openxmlformats.org/officeDocument/2006/relationships" xmlns:p1510="http://schemas.microsoft.com/office/powerpoint/2015/10/main">
+  <p1510:revLst>
+    <p1510:client id="{67689B49-7EF6-4298-BC9C-89A758B256DA}" v="2" dt="2020-01-24T13:49:21.810"/>
+  </p1510:revLst>
+</p1510:revInfo>
+</file>
+
+<file path=ppt/changesInfos/changesInfo1.xml><?xml version="1.0" encoding="utf-8"?>
+<pc:chgInfo xmlns:a="http://schemas.openxmlformats.org/drawingml/2006/main" xmlns:r="http://schemas.openxmlformats.org/officeDocument/2006/relationships" xmlns:ac="http://schemas.microsoft.com/office/drawing/2013/main/command" xmlns:pc="http://schemas.microsoft.com/office/powerpoint/2013/main/command">
+  <pc:docChgLst>
+    <pc:chgData name="PATRICK MURRAY - STUDENT" userId="39fcac74-daa1-4db5-b1e2-c2c0e56699cd" providerId="ADAL" clId="{67689B49-7EF6-4298-BC9C-89A758B256DA}"/>
+    <pc:docChg chg="custSel addSld delSld modSld">
+      <pc:chgData name="PATRICK MURRAY - STUDENT" userId="39fcac74-daa1-4db5-b1e2-c2c0e56699cd" providerId="ADAL" clId="{67689B49-7EF6-4298-BC9C-89A758B256DA}" dt="2020-01-24T13:57:30.672" v="608" actId="20577"/>
+      <pc:docMkLst>
+        <pc:docMk/>
+      </pc:docMkLst>
+      <pc:sldChg chg="add del">
+        <pc:chgData name="PATRICK MURRAY - STUDENT" userId="39fcac74-daa1-4db5-b1e2-c2c0e56699cd" providerId="ADAL" clId="{67689B49-7EF6-4298-BC9C-89A758B256DA}" dt="2020-01-24T13:49:18.828" v="1" actId="47"/>
+        <pc:sldMkLst>
+          <pc:docMk/>
+          <pc:sldMk cId="1951465144" sldId="258"/>
+        </pc:sldMkLst>
+      </pc:sldChg>
+      <pc:sldChg chg="modSp add">
+        <pc:chgData name="PATRICK MURRAY - STUDENT" userId="39fcac74-daa1-4db5-b1e2-c2c0e56699cd" providerId="ADAL" clId="{67689B49-7EF6-4298-BC9C-89A758B256DA}" dt="2020-01-24T13:57:30.672" v="608" actId="20577"/>
+        <pc:sldMkLst>
+          <pc:docMk/>
+          <pc:sldMk cId="2607470599" sldId="258"/>
+        </pc:sldMkLst>
+        <pc:spChg chg="mod">
+          <ac:chgData name="PATRICK MURRAY - STUDENT" userId="39fcac74-daa1-4db5-b1e2-c2c0e56699cd" providerId="ADAL" clId="{67689B49-7EF6-4298-BC9C-89A758B256DA}" dt="2020-01-24T13:49:34.782" v="22" actId="20577"/>
+          <ac:spMkLst>
+            <pc:docMk/>
+            <pc:sldMk cId="2607470599" sldId="258"/>
+            <ac:spMk id="2" creationId="{7DE03EB7-DC48-4E1D-92D7-DEDA803FED44}"/>
+          </ac:spMkLst>
+        </pc:spChg>
+        <pc:spChg chg="mod">
+          <ac:chgData name="PATRICK MURRAY - STUDENT" userId="39fcac74-daa1-4db5-b1e2-c2c0e56699cd" providerId="ADAL" clId="{67689B49-7EF6-4298-BC9C-89A758B256DA}" dt="2020-01-24T13:57:30.672" v="608" actId="20577"/>
+          <ac:spMkLst>
+            <pc:docMk/>
+            <pc:sldMk cId="2607470599" sldId="258"/>
+            <ac:spMk id="3" creationId="{7228CA07-3244-4282-8227-F5BE5B3E6E54}"/>
+          </ac:spMkLst>
+        </pc:spChg>
+      </pc:sldChg>
+    </pc:docChg>
+  </pc:docChgLst>
+</pc:chgInfo>
 </file>
 
 <file path=ppt/slideLayouts/slideLayout1.xml><?xml version="1.0" encoding="utf-8"?>
@@ -610,7 +668,7 @@
           <a:p>
             <a:fld id="{EAE06D73-B70B-4306-BE7B-D5A5B0B0BF64}" type="datetimeFigureOut">
               <a:rPr lang="en-GB" smtClean="0"/>
-              <a:t>22/01/2020</a:t>
+              <a:t>24/01/2020</a:t>
             </a:fld>
             <a:endParaRPr lang="en-GB"/>
           </a:p>
@@ -906,7 +964,7 @@
           <a:p>
             <a:fld id="{EAE06D73-B70B-4306-BE7B-D5A5B0B0BF64}" type="datetimeFigureOut">
               <a:rPr lang="en-GB" smtClean="0"/>
-              <a:t>22/01/2020</a:t>
+              <a:t>24/01/2020</a:t>
             </a:fld>
             <a:endParaRPr lang="en-GB"/>
           </a:p>
@@ -1154,7 +1212,7 @@
           <a:p>
             <a:fld id="{EAE06D73-B70B-4306-BE7B-D5A5B0B0BF64}" type="datetimeFigureOut">
               <a:rPr lang="en-GB" smtClean="0"/>
-              <a:t>22/01/2020</a:t>
+              <a:t>24/01/2020</a:t>
             </a:fld>
             <a:endParaRPr lang="en-GB"/>
           </a:p>
@@ -1694,7 +1752,7 @@
           <a:p>
             <a:fld id="{EAE06D73-B70B-4306-BE7B-D5A5B0B0BF64}" type="datetimeFigureOut">
               <a:rPr lang="en-GB" smtClean="0"/>
-              <a:t>22/01/2020</a:t>
+              <a:t>24/01/2020</a:t>
             </a:fld>
             <a:endParaRPr lang="en-GB"/>
           </a:p>
@@ -1942,7 +2000,7 @@
           <a:p>
             <a:fld id="{EAE06D73-B70B-4306-BE7B-D5A5B0B0BF64}" type="datetimeFigureOut">
               <a:rPr lang="en-GB" smtClean="0"/>
-              <a:t>22/01/2020</a:t>
+              <a:t>24/01/2020</a:t>
             </a:fld>
             <a:endParaRPr lang="en-GB"/>
           </a:p>
@@ -2474,7 +2532,7 @@
           <a:p>
             <a:fld id="{EAE06D73-B70B-4306-BE7B-D5A5B0B0BF64}" type="datetimeFigureOut">
               <a:rPr lang="en-GB" smtClean="0"/>
-              <a:t>22/01/2020</a:t>
+              <a:t>24/01/2020</a:t>
             </a:fld>
             <a:endParaRPr lang="en-GB"/>
           </a:p>
@@ -2771,7 +2829,7 @@
           <a:p>
             <a:fld id="{EAE06D73-B70B-4306-BE7B-D5A5B0B0BF64}" type="datetimeFigureOut">
               <a:rPr lang="en-GB" smtClean="0"/>
-              <a:t>22/01/2020</a:t>
+              <a:t>24/01/2020</a:t>
             </a:fld>
             <a:endParaRPr lang="en-GB"/>
           </a:p>
@@ -2945,7 +3003,7 @@
           <a:p>
             <a:fld id="{EAE06D73-B70B-4306-BE7B-D5A5B0B0BF64}" type="datetimeFigureOut">
               <a:rPr lang="en-GB" smtClean="0"/>
-              <a:t>22/01/2020</a:t>
+              <a:t>24/01/2020</a:t>
             </a:fld>
             <a:endParaRPr lang="en-GB"/>
           </a:p>
@@ -3125,7 +3183,7 @@
           <a:p>
             <a:fld id="{EAE06D73-B70B-4306-BE7B-D5A5B0B0BF64}" type="datetimeFigureOut">
               <a:rPr lang="en-GB" smtClean="0"/>
-              <a:t>22/01/2020</a:t>
+              <a:t>24/01/2020</a:t>
             </a:fld>
             <a:endParaRPr lang="en-GB"/>
           </a:p>
@@ -3295,7 +3353,7 @@
           <a:p>
             <a:fld id="{EAE06D73-B70B-4306-BE7B-D5A5B0B0BF64}" type="datetimeFigureOut">
               <a:rPr lang="en-GB" smtClean="0"/>
-              <a:t>22/01/2020</a:t>
+              <a:t>24/01/2020</a:t>
             </a:fld>
             <a:endParaRPr lang="en-GB"/>
           </a:p>
@@ -3546,7 +3604,7 @@
           <a:p>
             <a:fld id="{EAE06D73-B70B-4306-BE7B-D5A5B0B0BF64}" type="datetimeFigureOut">
               <a:rPr lang="en-GB" smtClean="0"/>
-              <a:t>22/01/2020</a:t>
+              <a:t>24/01/2020</a:t>
             </a:fld>
             <a:endParaRPr lang="en-GB"/>
           </a:p>
@@ -3843,7 +3901,7 @@
           <a:p>
             <a:fld id="{EAE06D73-B70B-4306-BE7B-D5A5B0B0BF64}" type="datetimeFigureOut">
               <a:rPr lang="en-GB" smtClean="0"/>
-              <a:t>22/01/2020</a:t>
+              <a:t>24/01/2020</a:t>
             </a:fld>
             <a:endParaRPr lang="en-GB"/>
           </a:p>
@@ -4285,7 +4343,7 @@
           <a:p>
             <a:fld id="{EAE06D73-B70B-4306-BE7B-D5A5B0B0BF64}" type="datetimeFigureOut">
               <a:rPr lang="en-GB" smtClean="0"/>
-              <a:t>22/01/2020</a:t>
+              <a:t>24/01/2020</a:t>
             </a:fld>
             <a:endParaRPr lang="en-GB"/>
           </a:p>
@@ -4403,7 +4461,7 @@
           <a:p>
             <a:fld id="{EAE06D73-B70B-4306-BE7B-D5A5B0B0BF64}" type="datetimeFigureOut">
               <a:rPr lang="en-GB" smtClean="0"/>
-              <a:t>22/01/2020</a:t>
+              <a:t>24/01/2020</a:t>
             </a:fld>
             <a:endParaRPr lang="en-GB"/>
           </a:p>
@@ -4498,7 +4556,7 @@
           <a:p>
             <a:fld id="{EAE06D73-B70B-4306-BE7B-D5A5B0B0BF64}" type="datetimeFigureOut">
               <a:rPr lang="en-GB" smtClean="0"/>
-              <a:t>22/01/2020</a:t>
+              <a:t>24/01/2020</a:t>
             </a:fld>
             <a:endParaRPr lang="en-GB"/>
           </a:p>
@@ -4781,7 +4839,7 @@
           <a:p>
             <a:fld id="{EAE06D73-B70B-4306-BE7B-D5A5B0B0BF64}" type="datetimeFigureOut">
               <a:rPr lang="en-GB" smtClean="0"/>
-              <a:t>22/01/2020</a:t>
+              <a:t>24/01/2020</a:t>
             </a:fld>
             <a:endParaRPr lang="en-GB"/>
           </a:p>
@@ -5072,7 +5130,7 @@
           <a:p>
             <a:fld id="{EAE06D73-B70B-4306-BE7B-D5A5B0B0BF64}" type="datetimeFigureOut">
               <a:rPr lang="en-GB" smtClean="0"/>
-              <a:t>22/01/2020</a:t>
+              <a:t>24/01/2020</a:t>
             </a:fld>
             <a:endParaRPr lang="en-GB"/>
           </a:p>
@@ -5602,7 +5660,7 @@
           <a:p>
             <a:fld id="{EAE06D73-B70B-4306-BE7B-D5A5B0B0BF64}" type="datetimeFigureOut">
               <a:rPr lang="en-GB" smtClean="0"/>
-              <a:t>22/01/2020</a:t>
+              <a:t>24/01/2020</a:t>
             </a:fld>
             <a:endParaRPr lang="en-GB"/>
           </a:p>
@@ -6317,6 +6375,115 @@
 </p:sld>
 </file>
 
+<file path=ppt/slides/slide3.xml><?xml version="1.0" encoding="utf-8"?>
+<p:sld xmlns:a="http://schemas.openxmlformats.org/drawingml/2006/main" xmlns:r="http://schemas.openxmlformats.org/officeDocument/2006/relationships" xmlns:p="http://schemas.openxmlformats.org/presentationml/2006/main">
+  <p:cSld>
+    <p:spTree>
+      <p:nvGrpSpPr>
+        <p:cNvPr id="1" name=""/>
+        <p:cNvGrpSpPr/>
+        <p:nvPr/>
+      </p:nvGrpSpPr>
+      <p:grpSpPr>
+        <a:xfrm>
+          <a:off x="0" y="0"/>
+          <a:ext cx="0" cy="0"/>
+          <a:chOff x="0" y="0"/>
+          <a:chExt cx="0" cy="0"/>
+        </a:xfrm>
+      </p:grpSpPr>
+      <p:sp>
+        <p:nvSpPr>
+          <p:cNvPr id="2" name="Title 1">
+            <a:extLst>
+              <a:ext uri="{FF2B5EF4-FFF2-40B4-BE49-F238E27FC236}">
+                <a16:creationId xmlns:a16="http://schemas.microsoft.com/office/drawing/2014/main" id="{7DE03EB7-DC48-4E1D-92D7-DEDA803FED44}"/>
+              </a:ext>
+            </a:extLst>
+          </p:cNvPr>
+          <p:cNvSpPr>
+            <a:spLocks noGrp="1"/>
+          </p:cNvSpPr>
+          <p:nvPr>
+            <p:ph type="title"/>
+          </p:nvPr>
+        </p:nvSpPr>
+        <p:spPr/>
+        <p:txBody>
+          <a:bodyPr/>
+          <a:lstStyle/>
+          <a:p>
+            <a:r>
+              <a:rPr lang="en-GB" dirty="0"/>
+              <a:t>The elevator pitch</a:t>
+            </a:r>
+          </a:p>
+        </p:txBody>
+      </p:sp>
+      <p:sp>
+        <p:nvSpPr>
+          <p:cNvPr id="3" name="Content Placeholder 2">
+            <a:extLst>
+              <a:ext uri="{FF2B5EF4-FFF2-40B4-BE49-F238E27FC236}">
+                <a16:creationId xmlns:a16="http://schemas.microsoft.com/office/drawing/2014/main" id="{7228CA07-3244-4282-8227-F5BE5B3E6E54}"/>
+              </a:ext>
+            </a:extLst>
+          </p:cNvPr>
+          <p:cNvSpPr>
+            <a:spLocks noGrp="1"/>
+          </p:cNvSpPr>
+          <p:nvPr>
+            <p:ph idx="1"/>
+          </p:nvPr>
+        </p:nvSpPr>
+        <p:spPr/>
+        <p:txBody>
+          <a:bodyPr>
+            <a:normAutofit lnSpcReduction="10000"/>
+          </a:bodyPr>
+          <a:lstStyle/>
+          <a:p>
+            <a:pPr marL="0" indent="0">
+              <a:buNone/>
+            </a:pPr>
+            <a:r>
+              <a:rPr lang="en-GB" dirty="0"/>
+              <a:t>For anybody that loves to exercise who wants to gain more knowledge in what exercises work best for certain areas.</a:t>
+            </a:r>
+          </a:p>
+          <a:p>
+            <a:pPr marL="0" indent="0">
+              <a:buNone/>
+            </a:pPr>
+            <a:r>
+              <a:rPr lang="en-GB" dirty="0"/>
+              <a:t>The Illusive Fitness is a Fitness Website that has an interactive muscle map to help you identify which workouts will target the selected muscle along with other useful features.</a:t>
+            </a:r>
+          </a:p>
+          <a:p>
+            <a:pPr marL="0" indent="0">
+              <a:buNone/>
+            </a:pPr>
+            <a:r>
+              <a:rPr lang="en-GB" dirty="0"/>
+              <a:t>Unlike other fitness websites our project is beneficial to all audiences, whether you have never lifted before or you are a professional bodybuilder, no body is doing what we will do. </a:t>
+            </a:r>
+          </a:p>
+        </p:txBody>
+      </p:sp>
+    </p:spTree>
+    <p:extLst>
+      <p:ext uri="{BB962C8B-B14F-4D97-AF65-F5344CB8AC3E}">
+        <p14:creationId xmlns:p14="http://schemas.microsoft.com/office/powerpoint/2010/main" val="2607470599"/>
+      </p:ext>
+    </p:extLst>
+  </p:cSld>
+  <p:clrMapOvr>
+    <a:masterClrMapping/>
+  </p:clrMapOvr>
+</p:sld>
+</file>
+
 <file path=ppt/theme/theme1.xml><?xml version="1.0" encoding="utf-8"?>
 <a:theme xmlns:a="http://schemas.openxmlformats.org/drawingml/2006/main" name="Parallax">
   <a:themeElements>

--- a/Illusive Fitness.pptx
+++ b/Illusive Fitness.pptx
@@ -229,7 +229,7 @@
           <a:p>
             <a:fld id="{E7F14A8C-4BC4-4B30-9660-6A30D388AB1E}" type="datetimeFigureOut">
               <a:rPr lang="en-GB" smtClean="0"/>
-              <a:t>25/01/2020</a:t>
+              <a:t>26/01/2020</a:t>
             </a:fld>
             <a:endParaRPr lang="en-GB"/>
           </a:p>
@@ -1606,7 +1606,7 @@
           <a:p>
             <a:fld id="{EAE06D73-B70B-4306-BE7B-D5A5B0B0BF64}" type="datetimeFigureOut">
               <a:rPr lang="en-GB" smtClean="0"/>
-              <a:t>25/01/2020</a:t>
+              <a:t>26/01/2020</a:t>
             </a:fld>
             <a:endParaRPr lang="en-GB"/>
           </a:p>
@@ -1902,7 +1902,7 @@
           <a:p>
             <a:fld id="{EAE06D73-B70B-4306-BE7B-D5A5B0B0BF64}" type="datetimeFigureOut">
               <a:rPr lang="en-GB" smtClean="0"/>
-              <a:t>25/01/2020</a:t>
+              <a:t>26/01/2020</a:t>
             </a:fld>
             <a:endParaRPr lang="en-GB"/>
           </a:p>
@@ -2150,7 +2150,7 @@
           <a:p>
             <a:fld id="{EAE06D73-B70B-4306-BE7B-D5A5B0B0BF64}" type="datetimeFigureOut">
               <a:rPr lang="en-GB" smtClean="0"/>
-              <a:t>25/01/2020</a:t>
+              <a:t>26/01/2020</a:t>
             </a:fld>
             <a:endParaRPr lang="en-GB"/>
           </a:p>
@@ -2690,7 +2690,7 @@
           <a:p>
             <a:fld id="{EAE06D73-B70B-4306-BE7B-D5A5B0B0BF64}" type="datetimeFigureOut">
               <a:rPr lang="en-GB" smtClean="0"/>
-              <a:t>25/01/2020</a:t>
+              <a:t>26/01/2020</a:t>
             </a:fld>
             <a:endParaRPr lang="en-GB"/>
           </a:p>
@@ -2938,7 +2938,7 @@
           <a:p>
             <a:fld id="{EAE06D73-B70B-4306-BE7B-D5A5B0B0BF64}" type="datetimeFigureOut">
               <a:rPr lang="en-GB" smtClean="0"/>
-              <a:t>25/01/2020</a:t>
+              <a:t>26/01/2020</a:t>
             </a:fld>
             <a:endParaRPr lang="en-GB"/>
           </a:p>
@@ -3470,7 +3470,7 @@
           <a:p>
             <a:fld id="{EAE06D73-B70B-4306-BE7B-D5A5B0B0BF64}" type="datetimeFigureOut">
               <a:rPr lang="en-GB" smtClean="0"/>
-              <a:t>25/01/2020</a:t>
+              <a:t>26/01/2020</a:t>
             </a:fld>
             <a:endParaRPr lang="en-GB"/>
           </a:p>
@@ -3767,7 +3767,7 @@
           <a:p>
             <a:fld id="{EAE06D73-B70B-4306-BE7B-D5A5B0B0BF64}" type="datetimeFigureOut">
               <a:rPr lang="en-GB" smtClean="0"/>
-              <a:t>25/01/2020</a:t>
+              <a:t>26/01/2020</a:t>
             </a:fld>
             <a:endParaRPr lang="en-GB"/>
           </a:p>
@@ -3941,7 +3941,7 @@
           <a:p>
             <a:fld id="{EAE06D73-B70B-4306-BE7B-D5A5B0B0BF64}" type="datetimeFigureOut">
               <a:rPr lang="en-GB" smtClean="0"/>
-              <a:t>25/01/2020</a:t>
+              <a:t>26/01/2020</a:t>
             </a:fld>
             <a:endParaRPr lang="en-GB"/>
           </a:p>
@@ -4121,7 +4121,7 @@
           <a:p>
             <a:fld id="{EAE06D73-B70B-4306-BE7B-D5A5B0B0BF64}" type="datetimeFigureOut">
               <a:rPr lang="en-GB" smtClean="0"/>
-              <a:t>25/01/2020</a:t>
+              <a:t>26/01/2020</a:t>
             </a:fld>
             <a:endParaRPr lang="en-GB"/>
           </a:p>
@@ -4515,7 +4515,7 @@
           <a:p>
             <a:fld id="{EAE06D73-B70B-4306-BE7B-D5A5B0B0BF64}" type="datetimeFigureOut">
               <a:rPr lang="en-GB" smtClean="0"/>
-              <a:t>25/01/2020</a:t>
+              <a:t>26/01/2020</a:t>
             </a:fld>
             <a:endParaRPr lang="en-GB"/>
           </a:p>
@@ -4766,7 +4766,7 @@
           <a:p>
             <a:fld id="{EAE06D73-B70B-4306-BE7B-D5A5B0B0BF64}" type="datetimeFigureOut">
               <a:rPr lang="en-GB" smtClean="0"/>
-              <a:t>25/01/2020</a:t>
+              <a:t>26/01/2020</a:t>
             </a:fld>
             <a:endParaRPr lang="en-GB"/>
           </a:p>
@@ -5063,7 +5063,7 @@
           <a:p>
             <a:fld id="{EAE06D73-B70B-4306-BE7B-D5A5B0B0BF64}" type="datetimeFigureOut">
               <a:rPr lang="en-GB" smtClean="0"/>
-              <a:t>25/01/2020</a:t>
+              <a:t>26/01/2020</a:t>
             </a:fld>
             <a:endParaRPr lang="en-GB"/>
           </a:p>
@@ -5505,7 +5505,7 @@
           <a:p>
             <a:fld id="{EAE06D73-B70B-4306-BE7B-D5A5B0B0BF64}" type="datetimeFigureOut">
               <a:rPr lang="en-GB" smtClean="0"/>
-              <a:t>25/01/2020</a:t>
+              <a:t>26/01/2020</a:t>
             </a:fld>
             <a:endParaRPr lang="en-GB"/>
           </a:p>
@@ -5623,7 +5623,7 @@
           <a:p>
             <a:fld id="{EAE06D73-B70B-4306-BE7B-D5A5B0B0BF64}" type="datetimeFigureOut">
               <a:rPr lang="en-GB" smtClean="0"/>
-              <a:t>25/01/2020</a:t>
+              <a:t>26/01/2020</a:t>
             </a:fld>
             <a:endParaRPr lang="en-GB"/>
           </a:p>
@@ -5718,7 +5718,7 @@
           <a:p>
             <a:fld id="{EAE06D73-B70B-4306-BE7B-D5A5B0B0BF64}" type="datetimeFigureOut">
               <a:rPr lang="en-GB" smtClean="0"/>
-              <a:t>25/01/2020</a:t>
+              <a:t>26/01/2020</a:t>
             </a:fld>
             <a:endParaRPr lang="en-GB"/>
           </a:p>
@@ -6001,7 +6001,7 @@
           <a:p>
             <a:fld id="{EAE06D73-B70B-4306-BE7B-D5A5B0B0BF64}" type="datetimeFigureOut">
               <a:rPr lang="en-GB" smtClean="0"/>
-              <a:t>25/01/2020</a:t>
+              <a:t>26/01/2020</a:t>
             </a:fld>
             <a:endParaRPr lang="en-GB"/>
           </a:p>
@@ -6292,7 +6292,7 @@
           <a:p>
             <a:fld id="{EAE06D73-B70B-4306-BE7B-D5A5B0B0BF64}" type="datetimeFigureOut">
               <a:rPr lang="en-GB" smtClean="0"/>
-              <a:t>25/01/2020</a:t>
+              <a:t>26/01/2020</a:t>
             </a:fld>
             <a:endParaRPr lang="en-GB"/>
           </a:p>
@@ -6822,7 +6822,7 @@
           <a:p>
             <a:fld id="{EAE06D73-B70B-4306-BE7B-D5A5B0B0BF64}" type="datetimeFigureOut">
               <a:rPr lang="en-GB" smtClean="0"/>
-              <a:t>25/01/2020</a:t>
+              <a:t>26/01/2020</a:t>
             </a:fld>
             <a:endParaRPr lang="en-GB"/>
           </a:p>
@@ -7839,7 +7839,7 @@
           </a:ln>
           <a:extLst>
             <a:ext uri="{C572A759-6A51-4108-AA02-DFA0A04FC94B}">
-              <ma14:wrappingTextBoxFlag xmlns:ma14="http://schemas.microsoft.com/office/mac/drawingml/2011/main" xmlns="" val="1"/>
+              <ma14:wrappingTextBoxFlag xmlns="" xmlns:ma14="http://schemas.microsoft.com/office/mac/drawingml/2011/main" val="1"/>
             </a:ext>
           </a:extLst>
         </p:spPr>
@@ -7888,7 +7888,7 @@
           </a:ln>
           <a:extLst>
             <a:ext uri="{C572A759-6A51-4108-AA02-DFA0A04FC94B}">
-              <ma14:wrappingTextBoxFlag xmlns:ma14="http://schemas.microsoft.com/office/mac/drawingml/2011/main" xmlns="" val="1"/>
+              <ma14:wrappingTextBoxFlag xmlns="" xmlns:ma14="http://schemas.microsoft.com/office/mac/drawingml/2011/main" val="1"/>
             </a:ext>
           </a:extLst>
         </p:spPr>
@@ -7937,7 +7937,7 @@
           </a:ln>
           <a:extLst>
             <a:ext uri="{C572A759-6A51-4108-AA02-DFA0A04FC94B}">
-              <ma14:wrappingTextBoxFlag xmlns:ma14="http://schemas.microsoft.com/office/mac/drawingml/2011/main" xmlns="" val="1"/>
+              <ma14:wrappingTextBoxFlag xmlns="" xmlns:ma14="http://schemas.microsoft.com/office/mac/drawingml/2011/main" val="1"/>
             </a:ext>
           </a:extLst>
         </p:spPr>
@@ -7986,7 +7986,7 @@
           </a:ln>
           <a:extLst>
             <a:ext uri="{C572A759-6A51-4108-AA02-DFA0A04FC94B}">
-              <ma14:wrappingTextBoxFlag xmlns:ma14="http://schemas.microsoft.com/office/mac/drawingml/2011/main" xmlns="" val="1"/>
+              <ma14:wrappingTextBoxFlag xmlns="" xmlns:ma14="http://schemas.microsoft.com/office/mac/drawingml/2011/main" val="1"/>
             </a:ext>
           </a:extLst>
         </p:spPr>
@@ -8035,7 +8035,7 @@
           </a:ln>
           <a:extLst>
             <a:ext uri="{C572A759-6A51-4108-AA02-DFA0A04FC94B}">
-              <ma14:wrappingTextBoxFlag xmlns:ma14="http://schemas.microsoft.com/office/mac/drawingml/2011/main" xmlns="" val="1"/>
+              <ma14:wrappingTextBoxFlag xmlns="" xmlns:ma14="http://schemas.microsoft.com/office/mac/drawingml/2011/main" val="1"/>
             </a:ext>
           </a:extLst>
         </p:spPr>
@@ -8096,7 +8096,7 @@
           </a:ln>
           <a:extLst>
             <a:ext uri="{C572A759-6A51-4108-AA02-DFA0A04FC94B}">
-              <ma14:wrappingTextBoxFlag xmlns:ma14="http://schemas.microsoft.com/office/mac/drawingml/2011/main" xmlns="" val="1"/>
+              <ma14:wrappingTextBoxFlag xmlns="" xmlns:ma14="http://schemas.microsoft.com/office/mac/drawingml/2011/main" val="1"/>
             </a:ext>
           </a:extLst>
         </p:spPr>
@@ -8177,7 +8177,7 @@
           </a:ln>
           <a:extLst>
             <a:ext uri="{C572A759-6A51-4108-AA02-DFA0A04FC94B}">
-              <ma14:wrappingTextBoxFlag xmlns:ma14="http://schemas.microsoft.com/office/mac/drawingml/2011/main" xmlns="" val="1"/>
+              <ma14:wrappingTextBoxFlag xmlns="" xmlns:ma14="http://schemas.microsoft.com/office/mac/drawingml/2011/main" val="1"/>
             </a:ext>
           </a:extLst>
         </p:spPr>
@@ -8242,7 +8242,7 @@
           </a:ln>
           <a:extLst>
             <a:ext uri="{C572A759-6A51-4108-AA02-DFA0A04FC94B}">
-              <ma14:wrappingTextBoxFlag xmlns:ma14="http://schemas.microsoft.com/office/mac/drawingml/2011/main" xmlns="" val="1"/>
+              <ma14:wrappingTextBoxFlag xmlns="" xmlns:ma14="http://schemas.microsoft.com/office/mac/drawingml/2011/main" val="1"/>
             </a:ext>
           </a:extLst>
         </p:spPr>
@@ -8729,7 +8729,7 @@
             <a:effectLst/>
             <a:extLst>
               <a:ext uri="{C572A759-6A51-4108-AA02-DFA0A04FC94B}">
-                <ma14:wrappingTextBoxFlag xmlns:ma14="http://schemas.microsoft.com/office/mac/drawingml/2011/main" xmlns="" val="1"/>
+                <ma14:wrappingTextBoxFlag xmlns="" xmlns:ma14="http://schemas.microsoft.com/office/mac/drawingml/2011/main" val="1"/>
               </a:ext>
             </a:extLst>
           </p:spPr>
@@ -8832,7 +8832,7 @@
             <a:effectLst/>
             <a:extLst>
               <a:ext uri="{C572A759-6A51-4108-AA02-DFA0A04FC94B}">
-                <ma14:wrappingTextBoxFlag xmlns:ma14="http://schemas.microsoft.com/office/mac/drawingml/2011/main" xmlns="" val="1"/>
+                <ma14:wrappingTextBoxFlag xmlns="" xmlns:ma14="http://schemas.microsoft.com/office/mac/drawingml/2011/main" val="1"/>
               </a:ext>
             </a:extLst>
           </p:spPr>
@@ -9357,7 +9357,7 @@
             <a:effectLst/>
             <a:extLst>
               <a:ext uri="{C572A759-6A51-4108-AA02-DFA0A04FC94B}">
-                <ma14:wrappingTextBoxFlag xmlns:ma14="http://schemas.microsoft.com/office/mac/drawingml/2011/main" xmlns="" val="1"/>
+                <ma14:wrappingTextBoxFlag xmlns="" xmlns:ma14="http://schemas.microsoft.com/office/mac/drawingml/2011/main" val="1"/>
               </a:ext>
             </a:extLst>
           </p:spPr>
@@ -9460,7 +9460,7 @@
             <a:effectLst/>
             <a:extLst>
               <a:ext uri="{C572A759-6A51-4108-AA02-DFA0A04FC94B}">
-                <ma14:wrappingTextBoxFlag xmlns:ma14="http://schemas.microsoft.com/office/mac/drawingml/2011/main" xmlns="" val="1"/>
+                <ma14:wrappingTextBoxFlag xmlns="" xmlns:ma14="http://schemas.microsoft.com/office/mac/drawingml/2011/main" val="1"/>
               </a:ext>
             </a:extLst>
           </p:spPr>
@@ -9662,7 +9662,7 @@
             <a:effectLst/>
             <a:extLst>
               <a:ext uri="{C572A759-6A51-4108-AA02-DFA0A04FC94B}">
-                <ma14:wrappingTextBoxFlag xmlns:ma14="http://schemas.microsoft.com/office/mac/drawingml/2011/main" xmlns="" val="1"/>
+                <ma14:wrappingTextBoxFlag xmlns="" xmlns:ma14="http://schemas.microsoft.com/office/mac/drawingml/2011/main" val="1"/>
               </a:ext>
             </a:extLst>
           </p:spPr>
@@ -9765,7 +9765,7 @@
             <a:effectLst/>
             <a:extLst>
               <a:ext uri="{C572A759-6A51-4108-AA02-DFA0A04FC94B}">
-                <ma14:wrappingTextBoxFlag xmlns:ma14="http://schemas.microsoft.com/office/mac/drawingml/2011/main" xmlns="" val="1"/>
+                <ma14:wrappingTextBoxFlag xmlns="" xmlns:ma14="http://schemas.microsoft.com/office/mac/drawingml/2011/main" val="1"/>
               </a:ext>
             </a:extLst>
           </p:spPr>
@@ -9967,7 +9967,7 @@
             <a:effectLst/>
             <a:extLst>
               <a:ext uri="{C572A759-6A51-4108-AA02-DFA0A04FC94B}">
-                <ma14:wrappingTextBoxFlag xmlns:ma14="http://schemas.microsoft.com/office/mac/drawingml/2011/main" xmlns="" val="1"/>
+                <ma14:wrappingTextBoxFlag xmlns="" xmlns:ma14="http://schemas.microsoft.com/office/mac/drawingml/2011/main" val="1"/>
               </a:ext>
             </a:extLst>
           </p:spPr>
@@ -10070,7 +10070,7 @@
             <a:effectLst/>
             <a:extLst>
               <a:ext uri="{C572A759-6A51-4108-AA02-DFA0A04FC94B}">
-                <ma14:wrappingTextBoxFlag xmlns:ma14="http://schemas.microsoft.com/office/mac/drawingml/2011/main" xmlns="" val="1"/>
+                <ma14:wrappingTextBoxFlag xmlns="" xmlns:ma14="http://schemas.microsoft.com/office/mac/drawingml/2011/main" val="1"/>
               </a:ext>
             </a:extLst>
           </p:spPr>
@@ -10272,7 +10272,7 @@
             <a:effectLst/>
             <a:extLst>
               <a:ext uri="{C572A759-6A51-4108-AA02-DFA0A04FC94B}">
-                <ma14:wrappingTextBoxFlag xmlns:ma14="http://schemas.microsoft.com/office/mac/drawingml/2011/main" xmlns="" val="1"/>
+                <ma14:wrappingTextBoxFlag xmlns="" xmlns:ma14="http://schemas.microsoft.com/office/mac/drawingml/2011/main" val="1"/>
               </a:ext>
             </a:extLst>
           </p:spPr>
@@ -10375,7 +10375,7 @@
             <a:effectLst/>
             <a:extLst>
               <a:ext uri="{C572A759-6A51-4108-AA02-DFA0A04FC94B}">
-                <ma14:wrappingTextBoxFlag xmlns:ma14="http://schemas.microsoft.com/office/mac/drawingml/2011/main" xmlns="" val="1"/>
+                <ma14:wrappingTextBoxFlag xmlns="" xmlns:ma14="http://schemas.microsoft.com/office/mac/drawingml/2011/main" val="1"/>
               </a:ext>
             </a:extLst>
           </p:spPr>
@@ -10577,7 +10577,7 @@
             <a:effectLst/>
             <a:extLst>
               <a:ext uri="{C572A759-6A51-4108-AA02-DFA0A04FC94B}">
-                <ma14:wrappingTextBoxFlag xmlns:ma14="http://schemas.microsoft.com/office/mac/drawingml/2011/main" xmlns="" val="1"/>
+                <ma14:wrappingTextBoxFlag xmlns="" xmlns:ma14="http://schemas.microsoft.com/office/mac/drawingml/2011/main" val="1"/>
               </a:ext>
             </a:extLst>
           </p:spPr>
@@ -10680,7 +10680,7 @@
             <a:effectLst/>
             <a:extLst>
               <a:ext uri="{C572A759-6A51-4108-AA02-DFA0A04FC94B}">
-                <ma14:wrappingTextBoxFlag xmlns:ma14="http://schemas.microsoft.com/office/mac/drawingml/2011/main" xmlns="" val="1"/>
+                <ma14:wrappingTextBoxFlag xmlns="" xmlns:ma14="http://schemas.microsoft.com/office/mac/drawingml/2011/main" val="1"/>
               </a:ext>
             </a:extLst>
           </p:spPr>
@@ -10882,7 +10882,7 @@
             <a:effectLst/>
             <a:extLst>
               <a:ext uri="{C572A759-6A51-4108-AA02-DFA0A04FC94B}">
-                <ma14:wrappingTextBoxFlag xmlns:ma14="http://schemas.microsoft.com/office/mac/drawingml/2011/main" xmlns="" val="1"/>
+                <ma14:wrappingTextBoxFlag xmlns="" xmlns:ma14="http://schemas.microsoft.com/office/mac/drawingml/2011/main" val="1"/>
               </a:ext>
             </a:extLst>
           </p:spPr>
@@ -10985,7 +10985,7 @@
             <a:effectLst/>
             <a:extLst>
               <a:ext uri="{C572A759-6A51-4108-AA02-DFA0A04FC94B}">
-                <ma14:wrappingTextBoxFlag xmlns:ma14="http://schemas.microsoft.com/office/mac/drawingml/2011/main" xmlns="" val="1"/>
+                <ma14:wrappingTextBoxFlag xmlns="" xmlns:ma14="http://schemas.microsoft.com/office/mac/drawingml/2011/main" val="1"/>
               </a:ext>
             </a:extLst>
           </p:spPr>
@@ -11187,7 +11187,7 @@
             <a:effectLst/>
             <a:extLst>
               <a:ext uri="{C572A759-6A51-4108-AA02-DFA0A04FC94B}">
-                <ma14:wrappingTextBoxFlag xmlns:ma14="http://schemas.microsoft.com/office/mac/drawingml/2011/main" xmlns="" val="1"/>
+                <ma14:wrappingTextBoxFlag xmlns="" xmlns:ma14="http://schemas.microsoft.com/office/mac/drawingml/2011/main" val="1"/>
               </a:ext>
             </a:extLst>
           </p:spPr>
@@ -11290,7 +11290,7 @@
             <a:effectLst/>
             <a:extLst>
               <a:ext uri="{C572A759-6A51-4108-AA02-DFA0A04FC94B}">
-                <ma14:wrappingTextBoxFlag xmlns:ma14="http://schemas.microsoft.com/office/mac/drawingml/2011/main" xmlns="" val="1"/>
+                <ma14:wrappingTextBoxFlag xmlns="" xmlns:ma14="http://schemas.microsoft.com/office/mac/drawingml/2011/main" val="1"/>
               </a:ext>
             </a:extLst>
           </p:spPr>
@@ -12501,7 +12501,7 @@
           </a:ln>
           <a:extLst>
             <a:ext uri="{C572A759-6A51-4108-AA02-DFA0A04FC94B}">
-              <ma14:wrappingTextBoxFlag xmlns:ma14="http://schemas.microsoft.com/office/mac/drawingml/2011/main" xmlns="" val="1"/>
+              <ma14:wrappingTextBoxFlag xmlns="" xmlns:ma14="http://schemas.microsoft.com/office/mac/drawingml/2011/main" val="1"/>
             </a:ext>
           </a:extLst>
         </p:spPr>
@@ -12550,7 +12550,7 @@
           </a:ln>
           <a:extLst>
             <a:ext uri="{C572A759-6A51-4108-AA02-DFA0A04FC94B}">
-              <ma14:wrappingTextBoxFlag xmlns:ma14="http://schemas.microsoft.com/office/mac/drawingml/2011/main" xmlns="" val="1"/>
+              <ma14:wrappingTextBoxFlag xmlns="" xmlns:ma14="http://schemas.microsoft.com/office/mac/drawingml/2011/main" val="1"/>
             </a:ext>
           </a:extLst>
         </p:spPr>
@@ -12599,7 +12599,7 @@
           </a:ln>
           <a:extLst>
             <a:ext uri="{C572A759-6A51-4108-AA02-DFA0A04FC94B}">
-              <ma14:wrappingTextBoxFlag xmlns:ma14="http://schemas.microsoft.com/office/mac/drawingml/2011/main" xmlns="" val="1"/>
+              <ma14:wrappingTextBoxFlag xmlns="" xmlns:ma14="http://schemas.microsoft.com/office/mac/drawingml/2011/main" val="1"/>
             </a:ext>
           </a:extLst>
         </p:spPr>
@@ -12648,7 +12648,7 @@
           </a:ln>
           <a:extLst>
             <a:ext uri="{C572A759-6A51-4108-AA02-DFA0A04FC94B}">
-              <ma14:wrappingTextBoxFlag xmlns:ma14="http://schemas.microsoft.com/office/mac/drawingml/2011/main" xmlns="" val="1"/>
+              <ma14:wrappingTextBoxFlag xmlns="" xmlns:ma14="http://schemas.microsoft.com/office/mac/drawingml/2011/main" val="1"/>
             </a:ext>
           </a:extLst>
         </p:spPr>
@@ -12697,7 +12697,7 @@
           </a:ln>
           <a:extLst>
             <a:ext uri="{C572A759-6A51-4108-AA02-DFA0A04FC94B}">
-              <ma14:wrappingTextBoxFlag xmlns:ma14="http://schemas.microsoft.com/office/mac/drawingml/2011/main" xmlns="" val="1"/>
+              <ma14:wrappingTextBoxFlag xmlns="" xmlns:ma14="http://schemas.microsoft.com/office/mac/drawingml/2011/main" val="1"/>
             </a:ext>
           </a:extLst>
         </p:spPr>
@@ -12758,7 +12758,7 @@
           </a:ln>
           <a:extLst>
             <a:ext uri="{C572A759-6A51-4108-AA02-DFA0A04FC94B}">
-              <ma14:wrappingTextBoxFlag xmlns:ma14="http://schemas.microsoft.com/office/mac/drawingml/2011/main" xmlns="" val="1"/>
+              <ma14:wrappingTextBoxFlag xmlns="" xmlns:ma14="http://schemas.microsoft.com/office/mac/drawingml/2011/main" val="1"/>
             </a:ext>
           </a:extLst>
         </p:spPr>
@@ -12839,7 +12839,7 @@
           </a:ln>
           <a:extLst>
             <a:ext uri="{C572A759-6A51-4108-AA02-DFA0A04FC94B}">
-              <ma14:wrappingTextBoxFlag xmlns:ma14="http://schemas.microsoft.com/office/mac/drawingml/2011/main" xmlns="" val="1"/>
+              <ma14:wrappingTextBoxFlag xmlns="" xmlns:ma14="http://schemas.microsoft.com/office/mac/drawingml/2011/main" val="1"/>
             </a:ext>
           </a:extLst>
         </p:spPr>
@@ -12929,7 +12929,7 @@
           </a:ln>
           <a:extLst>
             <a:ext uri="{C572A759-6A51-4108-AA02-DFA0A04FC94B}">
-              <ma14:wrappingTextBoxFlag xmlns:ma14="http://schemas.microsoft.com/office/mac/drawingml/2011/main" xmlns="" val="1"/>
+              <ma14:wrappingTextBoxFlag xmlns="" xmlns:ma14="http://schemas.microsoft.com/office/mac/drawingml/2011/main" val="1"/>
             </a:ext>
           </a:extLst>
         </p:spPr>
@@ -13291,7 +13291,7 @@
           </a:prstGeom>
           <a:extLst>
             <a:ext uri="{C572A759-6A51-4108-AA02-DFA0A04FC94B}">
-              <ma14:wrappingTextBoxFlag xmlns:lc="http://schemas.openxmlformats.org/drawingml/2006/lockedCanvas" xmlns="" xmlns:ma14="http://schemas.microsoft.com/office/mac/drawingml/2011/main" val="1"/>
+              <ma14:wrappingTextBoxFlag xmlns:ma14="http://schemas.microsoft.com/office/mac/drawingml/2011/main" xmlns="" xmlns:lc="http://schemas.openxmlformats.org/drawingml/2006/lockedCanvas" val="1"/>
             </a:ext>
           </a:extLst>
         </p:spPr>
@@ -15501,6 +15501,12 @@
             <a:r>
               <a:rPr lang="en-GB" dirty="0"/>
               <a:t>Customer changes their requirements deep into the project.</a:t>
+            </a:r>
+          </a:p>
+          <a:p>
+            <a:r>
+              <a:rPr lang="en-GB" dirty="0"/>
+              <a:t>Unrealistic deadlines and project requirements.</a:t>
             </a:r>
           </a:p>
           <a:p>
@@ -16637,18 +16643,18 @@
 </file>
 
 <file path=customXml/item2.xml><?xml version="1.0" encoding="utf-8"?>
-<p:properties xmlns:p="http://schemas.microsoft.com/office/2006/metadata/properties" xmlns:xsi="http://www.w3.org/2001/XMLSchema-instance" xmlns:pc="http://schemas.microsoft.com/office/infopath/2007/PartnerControls">
-  <documentManagement/>
-</p:properties>
-</file>
-
-<file path=customXml/item3.xml><?xml version="1.0" encoding="utf-8"?>
 <?mso-contentType ?>
 <FormTemplates xmlns="http://schemas.microsoft.com/sharepoint/v3/contenttype/forms">
   <Display>DocumentLibraryForm</Display>
   <Edit>DocumentLibraryForm</Edit>
   <New>DocumentLibraryForm</New>
 </FormTemplates>
+</file>
+
+<file path=customXml/item3.xml><?xml version="1.0" encoding="utf-8"?>
+<p:properties xmlns:p="http://schemas.microsoft.com/office/2006/metadata/properties" xmlns:xsi="http://www.w3.org/2001/XMLSchema-instance" xmlns:pc="http://schemas.microsoft.com/office/infopath/2007/PartnerControls">
+  <documentManagement/>
+</p:properties>
 </file>
 
 <file path=customXml/itemProps1.xml><?xml version="1.0" encoding="utf-8"?>
@@ -16670,6 +16676,14 @@
 </file>
 
 <file path=customXml/itemProps2.xml><?xml version="1.0" encoding="utf-8"?>
+<ds:datastoreItem xmlns:ds="http://schemas.openxmlformats.org/officeDocument/2006/customXml" ds:itemID="{0021A068-8B7E-4D1F-BDB0-C47E5B8C5B68}">
+  <ds:schemaRefs>
+    <ds:schemaRef ds:uri="http://schemas.microsoft.com/sharepoint/v3/contenttype/forms"/>
+  </ds:schemaRefs>
+</ds:datastoreItem>
+</file>
+
+<file path=customXml/itemProps3.xml><?xml version="1.0" encoding="utf-8"?>
 <ds:datastoreItem xmlns:ds="http://schemas.openxmlformats.org/officeDocument/2006/customXml" ds:itemID="{0C88B770-0DC0-492D-ABA1-6F4702E26E51}">
   <ds:schemaRefs>
     <ds:schemaRef ds:uri="f896d14b-0ab6-432c-abcb-694ca9572ec9"/>
@@ -16683,12 +16697,4 @@
     <ds:schemaRef ds:uri="http://purl.org/dc/terms/"/>
   </ds:schemaRefs>
 </ds:datastoreItem>
-</file>
-
-<file path=customXml/itemProps3.xml><?xml version="1.0" encoding="utf-8"?>
-<ds:datastoreItem xmlns:ds="http://schemas.openxmlformats.org/officeDocument/2006/customXml" ds:itemID="{0021A068-8B7E-4D1F-BDB0-C47E5B8C5B68}">
-  <ds:schemaRefs>
-    <ds:schemaRef ds:uri="http://schemas.microsoft.com/sharepoint/v3/contenttype/forms"/>
-  </ds:schemaRefs>
-</ds:datastoreItem>
 </file>